--- a/Chanco_ST6103_GLM_2019_Henrion_Practical5.pptx
+++ b/Chanco_ST6103_GLM_2019_Henrion_Practical5.pptx
@@ -3189,7 +3189,7 @@
             </a:pPr>
             <a:r>
               <a:rPr/>
-              <a:t>Derive the deviance residuals for a binomial GLM with logit link function.</a:t>
+              <a:t>Derive the deviance for a binomial GLM with logit link function and then derive the deviance residuals.</a:t>
             </a:r>
           </a:p>
         </p:txBody>
